--- a/Sound Synthesis Using MatLab.pptx
+++ b/Sound Synthesis Using MatLab.pptx
@@ -18,8 +18,8 @@
     <p:sldId id="267" r:id="rId7"/>
     <p:sldId id="278" r:id="rId8"/>
     <p:sldId id="277" r:id="rId9"/>
-    <p:sldId id="271" r:id="rId10"/>
-    <p:sldId id="269" r:id="rId11"/>
+    <p:sldId id="269" r:id="rId10"/>
+    <p:sldId id="271" r:id="rId11"/>
     <p:sldId id="272" r:id="rId12"/>
     <p:sldId id="270" r:id="rId13"/>
     <p:sldId id="279" r:id="rId14"/>
@@ -1251,6 +1251,13 @@
         </dgm:presLayoutVars>
       </dgm:prSet>
       <dgm:spPr/>
+      <dgm:t>
+        <a:bodyPr/>
+        <a:lstStyle/>
+        <a:p>
+          <a:endParaRPr lang="en-US"/>
+        </a:p>
+      </dgm:t>
     </dgm:pt>
     <dgm:pt modelId="{E68DCC1E-B485-47B7-BCBF-3C837B452A9A}" type="pres">
       <dgm:prSet presAssocID="{0C176409-1321-45AF-865B-704BEBEBC90E}" presName="outerBox" presStyleCnt="0"/>
@@ -1297,6 +1304,13 @@
         </dgm:presLayoutVars>
       </dgm:prSet>
       <dgm:spPr/>
+      <dgm:t>
+        <a:bodyPr/>
+        <a:lstStyle/>
+        <a:p>
+          <a:endParaRPr lang="en-US"/>
+        </a:p>
+      </dgm:t>
     </dgm:pt>
     <dgm:pt modelId="{211528DC-E260-4BD9-8248-8AAEB661C809}" type="pres">
       <dgm:prSet presAssocID="{0C176409-1321-45AF-865B-704BEBEBC90E}" presName="middleBox" presStyleCnt="0"/>
@@ -1324,6 +1338,13 @@
         </dgm:presLayoutVars>
       </dgm:prSet>
       <dgm:spPr/>
+      <dgm:t>
+        <a:bodyPr/>
+        <a:lstStyle/>
+        <a:p>
+          <a:endParaRPr lang="en-US"/>
+        </a:p>
+      </dgm:t>
     </dgm:pt>
     <dgm:pt modelId="{8D83BB79-ADC2-411D-ADF1-A454AE7790DD}" type="pres">
       <dgm:prSet presAssocID="{42298AF3-D781-471C-8ABA-FB0660AA0F21}" presName="middleSibTrans" presStyleCnt="0"/>
@@ -1370,6 +1391,13 @@
         </dgm:presLayoutVars>
       </dgm:prSet>
       <dgm:spPr/>
+      <dgm:t>
+        <a:bodyPr/>
+        <a:lstStyle/>
+        <a:p>
+          <a:endParaRPr lang="en-US"/>
+        </a:p>
+      </dgm:t>
     </dgm:pt>
     <dgm:pt modelId="{44E70D74-74C1-472D-9BBA-8AA3998F8640}" type="pres">
       <dgm:prSet presAssocID="{74CD372E-5F70-40E8-B6C7-036EAD1E3F72}" presName="centerSibTrans" presStyleCnt="0"/>
@@ -1382,28 +1410,35 @@
         </dgm:presLayoutVars>
       </dgm:prSet>
       <dgm:spPr/>
+      <dgm:t>
+        <a:bodyPr/>
+        <a:lstStyle/>
+        <a:p>
+          <a:endParaRPr lang="en-US"/>
+        </a:p>
+      </dgm:t>
     </dgm:pt>
   </dgm:ptLst>
   <dgm:cxnLst>
+    <dgm:cxn modelId="{FB4076B6-FC20-47E1-A9BD-6B7E76811BB9}" type="presOf" srcId="{394A0EA4-F959-4D62-9EDD-101030DD04EC}" destId="{1A31BE25-660A-4D54-B7CF-8544D731FEE4}" srcOrd="0" destOrd="0" presId="urn:microsoft.com/office/officeart/2005/8/layout/target2"/>
+    <dgm:cxn modelId="{A83ADA00-E5B3-4FD9-91B1-F204A2E928E6}" srcId="{D3E50F11-4BCA-4057-95AF-C7F71908137C}" destId="{3326BE82-62D2-4BE9-8038-83FED0D330BA}" srcOrd="1" destOrd="0" parTransId="{3CF67877-7D96-4DAA-85D6-4F388045AA63}" sibTransId="{76D1C8C2-C07A-462F-8A0F-12D5F1956675}"/>
+    <dgm:cxn modelId="{7D8FAD5A-358B-427A-94DD-2DBBFA16604E}" type="presOf" srcId="{CA246294-0F14-42F8-8393-46EA4E2F316C}" destId="{D752483D-B541-48B7-A4C4-0641CF74C7E7}" srcOrd="0" destOrd="0" presId="urn:microsoft.com/office/officeart/2005/8/layout/target2"/>
+    <dgm:cxn modelId="{98B3EF26-D0F3-4DDD-A99A-7A52BFBD5F47}" type="presOf" srcId="{7D2AEB48-7F4C-485A-AB0D-C15990856741}" destId="{3FE78DAE-5743-4D0A-B014-6E1BB2CE582B}" srcOrd="0" destOrd="0" presId="urn:microsoft.com/office/officeart/2005/8/layout/target2"/>
+    <dgm:cxn modelId="{8F092721-28B8-45F0-A2ED-5EE7C6AEC3C7}" type="presOf" srcId="{22DB04B0-C155-489E-B84D-1FAF0861682B}" destId="{88755AB1-0149-4FD0-9B47-C9BF7FC2783E}" srcOrd="0" destOrd="0" presId="urn:microsoft.com/office/officeart/2005/8/layout/target2"/>
+    <dgm:cxn modelId="{F89BBDCD-3D36-4E43-A23E-39730D0D6DE6}" type="presOf" srcId="{B738F9D6-B718-4DF0-9FC0-9B000CFD00DA}" destId="{0023C00D-3ED4-4E41-B45E-499FB10902A3}" srcOrd="0" destOrd="0" presId="urn:microsoft.com/office/officeart/2005/8/layout/target2"/>
+    <dgm:cxn modelId="{32115C62-E68C-4952-8758-D7B307DA352A}" srcId="{B738F9D6-B718-4DF0-9FC0-9B000CFD00DA}" destId="{19EEF53C-4A62-40E9-91D1-1244851618BA}" srcOrd="0" destOrd="0" parTransId="{3A678C5D-831F-4609-B985-69C1675855B4}" sibTransId="{42298AF3-D781-471C-8ABA-FB0660AA0F21}"/>
+    <dgm:cxn modelId="{6B263810-280E-4F91-835E-F531496B742F}" srcId="{394A0EA4-F959-4D62-9EDD-101030DD04EC}" destId="{3A747E59-A277-48A5-9081-3984D65AEB7D}" srcOrd="0" destOrd="0" parTransId="{FF58C9DA-AA20-4752-B518-D7CA61605A39}" sibTransId="{74CD372E-5F70-40E8-B6C7-036EAD1E3F72}"/>
+    <dgm:cxn modelId="{CAB13555-F0D3-405F-B868-B160E5CFECCE}" srcId="{0C176409-1321-45AF-865B-704BEBEBC90E}" destId="{394A0EA4-F959-4D62-9EDD-101030DD04EC}" srcOrd="2" destOrd="0" parTransId="{5A7DE511-C763-419B-B110-837D197DCD7E}" sibTransId="{9EFC9670-203B-4001-A1EE-CD529FF13068}"/>
+    <dgm:cxn modelId="{EFA132B7-65EA-465E-9C96-E02240D533C3}" type="presOf" srcId="{0C176409-1321-45AF-865B-704BEBEBC90E}" destId="{E257C163-A01D-459D-82AD-C01F6BAEEEDE}" srcOrd="0" destOrd="0" presId="urn:microsoft.com/office/officeart/2005/8/layout/target2"/>
+    <dgm:cxn modelId="{A5081AF1-0F3B-4E43-BDAD-9AC92CCB475C}" srcId="{D3E50F11-4BCA-4057-95AF-C7F71908137C}" destId="{CA246294-0F14-42F8-8393-46EA4E2F316C}" srcOrd="0" destOrd="0" parTransId="{3838DE02-A394-4FFB-A004-645A75D9F716}" sibTransId="{951F80D0-72EE-4305-873F-CD4F76D05E3B}"/>
     <dgm:cxn modelId="{E9944308-2995-4EED-8B11-49D0CD575877}" type="presOf" srcId="{D3E50F11-4BCA-4057-95AF-C7F71908137C}" destId="{BF0B2CCE-8378-48B8-9675-3BCB50DC5DAE}" srcOrd="0" destOrd="0" presId="urn:microsoft.com/office/officeart/2005/8/layout/target2"/>
-    <dgm:cxn modelId="{6B263810-280E-4F91-835E-F531496B742F}" srcId="{394A0EA4-F959-4D62-9EDD-101030DD04EC}" destId="{3A747E59-A277-48A5-9081-3984D65AEB7D}" srcOrd="0" destOrd="0" parTransId="{FF58C9DA-AA20-4752-B518-D7CA61605A39}" sibTransId="{74CD372E-5F70-40E8-B6C7-036EAD1E3F72}"/>
+    <dgm:cxn modelId="{E7DE08DF-07BF-41D6-9CC1-9DCE2D361D92}" srcId="{0C176409-1321-45AF-865B-704BEBEBC90E}" destId="{B738F9D6-B718-4DF0-9FC0-9B000CFD00DA}" srcOrd="1" destOrd="0" parTransId="{41DBA1BC-3465-4B32-B5F2-6A346582A983}" sibTransId="{CFE805AF-D4C5-4964-B32A-84628D46D5CE}"/>
     <dgm:cxn modelId="{9866DC18-EC5E-4617-978A-A94F184E8AB2}" type="presOf" srcId="{19EEF53C-4A62-40E9-91D1-1244851618BA}" destId="{D4541CAF-1705-47B3-A85B-8F8DF32CBD4A}" srcOrd="0" destOrd="0" presId="urn:microsoft.com/office/officeart/2005/8/layout/target2"/>
+    <dgm:cxn modelId="{B73A2AB6-E53B-45B2-A4C1-F6E0EB50E67E}" srcId="{B738F9D6-B718-4DF0-9FC0-9B000CFD00DA}" destId="{7D2AEB48-7F4C-485A-AB0D-C15990856741}" srcOrd="1" destOrd="0" parTransId="{9C949B7D-A5D0-4DDC-B09E-CD78607461B3}" sibTransId="{135ABE14-5023-4280-9B49-0E463D47E2E0}"/>
+    <dgm:cxn modelId="{1971875F-8904-4848-93E5-DBA290D4450F}" type="presOf" srcId="{3A747E59-A277-48A5-9081-3984D65AEB7D}" destId="{A48A917C-220D-4131-9BB2-85846903888C}" srcOrd="0" destOrd="0" presId="urn:microsoft.com/office/officeart/2005/8/layout/target2"/>
     <dgm:cxn modelId="{0AD9FA5A-9B54-402D-8E75-4863149E993B}" srcId="{0C176409-1321-45AF-865B-704BEBEBC90E}" destId="{D3E50F11-4BCA-4057-95AF-C7F71908137C}" srcOrd="0" destOrd="0" parTransId="{0C20548F-C028-400F-893C-207B0F698237}" sibTransId="{0675E0AE-4386-4740-AE0C-1803817970DD}"/>
-    <dgm:cxn modelId="{32115C62-E68C-4952-8758-D7B307DA352A}" srcId="{B738F9D6-B718-4DF0-9FC0-9B000CFD00DA}" destId="{19EEF53C-4A62-40E9-91D1-1244851618BA}" srcOrd="0" destOrd="0" parTransId="{3A678C5D-831F-4609-B985-69C1675855B4}" sibTransId="{42298AF3-D781-471C-8ABA-FB0660AA0F21}"/>
-    <dgm:cxn modelId="{F89BBDCD-3D36-4E43-A23E-39730D0D6DE6}" type="presOf" srcId="{B738F9D6-B718-4DF0-9FC0-9B000CFD00DA}" destId="{0023C00D-3ED4-4E41-B45E-499FB10902A3}" srcOrd="0" destOrd="0" presId="urn:microsoft.com/office/officeart/2005/8/layout/target2"/>
-    <dgm:cxn modelId="{7D8FAD5A-358B-427A-94DD-2DBBFA16604E}" type="presOf" srcId="{CA246294-0F14-42F8-8393-46EA4E2F316C}" destId="{D752483D-B541-48B7-A4C4-0641CF74C7E7}" srcOrd="0" destOrd="0" presId="urn:microsoft.com/office/officeart/2005/8/layout/target2"/>
+    <dgm:cxn modelId="{A618347E-E1EB-4C20-9C92-100951CB6748}" type="presOf" srcId="{3326BE82-62D2-4BE9-8038-83FED0D330BA}" destId="{708C10F4-6158-49C0-BA2F-4A349030EBF0}" srcOrd="0" destOrd="0" presId="urn:microsoft.com/office/officeart/2005/8/layout/target2"/>
     <dgm:cxn modelId="{1839496A-A823-4441-91B3-E91AE448D557}" srcId="{394A0EA4-F959-4D62-9EDD-101030DD04EC}" destId="{22DB04B0-C155-489E-B84D-1FAF0861682B}" srcOrd="1" destOrd="0" parTransId="{8F028462-3FB9-4B16-BF4B-03F70AC7BB4B}" sibTransId="{264BA126-B756-4D8F-A7D2-E4EFD70D3B1B}"/>
-    <dgm:cxn modelId="{EFA132B7-65EA-465E-9C96-E02240D533C3}" type="presOf" srcId="{0C176409-1321-45AF-865B-704BEBEBC90E}" destId="{E257C163-A01D-459D-82AD-C01F6BAEEEDE}" srcOrd="0" destOrd="0" presId="urn:microsoft.com/office/officeart/2005/8/layout/target2"/>
-    <dgm:cxn modelId="{CAB13555-F0D3-405F-B868-B160E5CFECCE}" srcId="{0C176409-1321-45AF-865B-704BEBEBC90E}" destId="{394A0EA4-F959-4D62-9EDD-101030DD04EC}" srcOrd="2" destOrd="0" parTransId="{5A7DE511-C763-419B-B110-837D197DCD7E}" sibTransId="{9EFC9670-203B-4001-A1EE-CD529FF13068}"/>
-    <dgm:cxn modelId="{1971875F-8904-4848-93E5-DBA290D4450F}" type="presOf" srcId="{3A747E59-A277-48A5-9081-3984D65AEB7D}" destId="{A48A917C-220D-4131-9BB2-85846903888C}" srcOrd="0" destOrd="0" presId="urn:microsoft.com/office/officeart/2005/8/layout/target2"/>
-    <dgm:cxn modelId="{FB4076B6-FC20-47E1-A9BD-6B7E76811BB9}" type="presOf" srcId="{394A0EA4-F959-4D62-9EDD-101030DD04EC}" destId="{1A31BE25-660A-4D54-B7CF-8544D731FEE4}" srcOrd="0" destOrd="0" presId="urn:microsoft.com/office/officeart/2005/8/layout/target2"/>
-    <dgm:cxn modelId="{E7DE08DF-07BF-41D6-9CC1-9DCE2D361D92}" srcId="{0C176409-1321-45AF-865B-704BEBEBC90E}" destId="{B738F9D6-B718-4DF0-9FC0-9B000CFD00DA}" srcOrd="1" destOrd="0" parTransId="{41DBA1BC-3465-4B32-B5F2-6A346582A983}" sibTransId="{CFE805AF-D4C5-4964-B32A-84628D46D5CE}"/>
-    <dgm:cxn modelId="{B73A2AB6-E53B-45B2-A4C1-F6E0EB50E67E}" srcId="{B738F9D6-B718-4DF0-9FC0-9B000CFD00DA}" destId="{7D2AEB48-7F4C-485A-AB0D-C15990856741}" srcOrd="1" destOrd="0" parTransId="{9C949B7D-A5D0-4DDC-B09E-CD78607461B3}" sibTransId="{135ABE14-5023-4280-9B49-0E463D47E2E0}"/>
-    <dgm:cxn modelId="{8F092721-28B8-45F0-A2ED-5EE7C6AEC3C7}" type="presOf" srcId="{22DB04B0-C155-489E-B84D-1FAF0861682B}" destId="{88755AB1-0149-4FD0-9B47-C9BF7FC2783E}" srcOrd="0" destOrd="0" presId="urn:microsoft.com/office/officeart/2005/8/layout/target2"/>
-    <dgm:cxn modelId="{A5081AF1-0F3B-4E43-BDAD-9AC92CCB475C}" srcId="{D3E50F11-4BCA-4057-95AF-C7F71908137C}" destId="{CA246294-0F14-42F8-8393-46EA4E2F316C}" srcOrd="0" destOrd="0" parTransId="{3838DE02-A394-4FFB-A004-645A75D9F716}" sibTransId="{951F80D0-72EE-4305-873F-CD4F76D05E3B}"/>
-    <dgm:cxn modelId="{A83ADA00-E5B3-4FD9-91B1-F204A2E928E6}" srcId="{D3E50F11-4BCA-4057-95AF-C7F71908137C}" destId="{3326BE82-62D2-4BE9-8038-83FED0D330BA}" srcOrd="1" destOrd="0" parTransId="{3CF67877-7D96-4DAA-85D6-4F388045AA63}" sibTransId="{76D1C8C2-C07A-462F-8A0F-12D5F1956675}"/>
-    <dgm:cxn modelId="{A618347E-E1EB-4C20-9C92-100951CB6748}" type="presOf" srcId="{3326BE82-62D2-4BE9-8038-83FED0D330BA}" destId="{708C10F4-6158-49C0-BA2F-4A349030EBF0}" srcOrd="0" destOrd="0" presId="urn:microsoft.com/office/officeart/2005/8/layout/target2"/>
-    <dgm:cxn modelId="{98B3EF26-D0F3-4DDD-A99A-7A52BFBD5F47}" type="presOf" srcId="{7D2AEB48-7F4C-485A-AB0D-C15990856741}" destId="{3FE78DAE-5743-4D0A-B014-6E1BB2CE582B}" srcOrd="0" destOrd="0" presId="urn:microsoft.com/office/officeart/2005/8/layout/target2"/>
     <dgm:cxn modelId="{62B8DCE7-01D3-4076-9863-0CC89A75FD00}" type="presParOf" srcId="{E257C163-A01D-459D-82AD-C01F6BAEEEDE}" destId="{E68DCC1E-B485-47B7-BCBF-3C837B452A9A}" srcOrd="0" destOrd="0" presId="urn:microsoft.com/office/officeart/2005/8/layout/target2"/>
     <dgm:cxn modelId="{4BFC24A5-CD16-4632-9267-F90F25AB033E}" type="presParOf" srcId="{E68DCC1E-B485-47B7-BCBF-3C837B452A9A}" destId="{BF0B2CCE-8378-48B8-9675-3BCB50DC5DAE}" srcOrd="0" destOrd="0" presId="urn:microsoft.com/office/officeart/2005/8/layout/target2"/>
     <dgm:cxn modelId="{13E3E5D6-7DEF-471A-83B8-0243F7286647}" type="presParOf" srcId="{E68DCC1E-B485-47B7-BCBF-3C837B452A9A}" destId="{E4EB52A7-16D2-46CB-880B-C676AD53CD35}" srcOrd="1" destOrd="0" presId="urn:microsoft.com/office/officeart/2005/8/layout/target2"/>
@@ -4057,7 +4092,7 @@
           <a:p>
             <a:fld id="{762B48F5-BACC-47D6-A0F7-82FBF9C6BC85}" type="datetimeFigureOut">
               <a:rPr lang="en-US"/>
-              <a:t>4/20/2015</a:t>
+              <a:t>4/21/2015</a:t>
             </a:fld>
             <a:endParaRPr/>
           </a:p>
@@ -4222,7 +4257,7 @@
           <a:p>
             <a:fld id="{0CB1CD00-5424-4675-AB18-2C419B060449}" type="datetimeFigureOut">
               <a:rPr lang="en-US"/>
-              <a:t>4/20/2015</a:t>
+              <a:t>4/21/2015</a:t>
             </a:fld>
             <a:endParaRPr/>
           </a:p>
@@ -4742,13 +4777,13 @@
   <p:clrMapOvr>
     <a:masterClrMapping/>
   </p:clrMapOvr>
-  <mc:AlternateContent xmlns:mc="http://schemas.openxmlformats.org/markup-compatibility/2006">
-    <mc:Choice xmlns:p14="http://schemas.microsoft.com/office/powerpoint/2010/main" Requires="p14">
+  <mc:AlternateContent xmlns:mc="http://schemas.openxmlformats.org/markup-compatibility/2006" xmlns:p14="http://schemas.microsoft.com/office/powerpoint/2010/main">
+    <mc:Choice Requires="p14">
       <p:transition spd="slow" p14:dur="1500">
         <p:random/>
       </p:transition>
     </mc:Choice>
-    <mc:Fallback>
+    <mc:Fallback xmlns="">
       <p:transition spd="slow">
         <p:random/>
       </p:transition>
@@ -4873,7 +4908,7 @@
           <a:p>
             <a:fld id="{37CC0096-1860-4642-9CD2-0079EA5E7CD1}" type="datetimeFigureOut">
               <a:rPr lang="en-US" smtClean="0"/>
-              <a:t>4/20/2015</a:t>
+              <a:t>4/21/2015</a:t>
             </a:fld>
             <a:endParaRPr lang="en-US"/>
           </a:p>
@@ -4931,13 +4966,13 @@
   <p:clrMapOvr>
     <a:masterClrMapping/>
   </p:clrMapOvr>
-  <mc:AlternateContent xmlns:mc="http://schemas.openxmlformats.org/markup-compatibility/2006">
-    <mc:Choice xmlns:p14="http://schemas.microsoft.com/office/powerpoint/2010/main" Requires="p14">
+  <mc:AlternateContent xmlns:mc="http://schemas.openxmlformats.org/markup-compatibility/2006" xmlns:p14="http://schemas.microsoft.com/office/powerpoint/2010/main">
+    <mc:Choice Requires="p14">
       <p:transition spd="slow" p14:dur="1500">
         <p:random/>
       </p:transition>
     </mc:Choice>
-    <mc:Fallback>
+    <mc:Fallback xmlns="">
       <p:transition spd="slow">
         <p:random/>
       </p:transition>
@@ -5072,7 +5107,7 @@
           <a:p>
             <a:fld id="{37CC0096-1860-4642-9CD2-0079EA5E7CD1}" type="datetimeFigureOut">
               <a:rPr lang="en-US" smtClean="0"/>
-              <a:t>4/20/2015</a:t>
+              <a:t>4/21/2015</a:t>
             </a:fld>
             <a:endParaRPr lang="en-US"/>
           </a:p>
@@ -5130,13 +5165,13 @@
   <p:clrMapOvr>
     <a:masterClrMapping/>
   </p:clrMapOvr>
-  <mc:AlternateContent xmlns:mc="http://schemas.openxmlformats.org/markup-compatibility/2006">
-    <mc:Choice xmlns:p14="http://schemas.microsoft.com/office/powerpoint/2010/main" Requires="p14">
+  <mc:AlternateContent xmlns:mc="http://schemas.openxmlformats.org/markup-compatibility/2006" xmlns:p14="http://schemas.microsoft.com/office/powerpoint/2010/main">
+    <mc:Choice Requires="p14">
       <p:transition spd="slow" p14:dur="1500">
         <p:random/>
       </p:transition>
     </mc:Choice>
-    <mc:Fallback>
+    <mc:Fallback xmlns="">
       <p:transition spd="slow">
         <p:random/>
       </p:transition>
@@ -5265,7 +5300,7 @@
           <a:p>
             <a:fld id="{37CC0096-1860-4642-9CD2-0079EA5E7CD1}" type="datetimeFigureOut">
               <a:rPr lang="en-US" smtClean="0"/>
-              <a:t>4/20/2015</a:t>
+              <a:t>4/21/2015</a:t>
             </a:fld>
             <a:endParaRPr lang="en-US"/>
           </a:p>
@@ -5323,13 +5358,13 @@
   <p:clrMapOvr>
     <a:masterClrMapping/>
   </p:clrMapOvr>
-  <mc:AlternateContent xmlns:mc="http://schemas.openxmlformats.org/markup-compatibility/2006">
-    <mc:Choice xmlns:p14="http://schemas.microsoft.com/office/powerpoint/2010/main" Requires="p14">
+  <mc:AlternateContent xmlns:mc="http://schemas.openxmlformats.org/markup-compatibility/2006" xmlns:p14="http://schemas.microsoft.com/office/powerpoint/2010/main">
+    <mc:Choice Requires="p14">
       <p:transition spd="slow" p14:dur="1500">
         <p:random/>
       </p:transition>
     </mc:Choice>
-    <mc:Fallback>
+    <mc:Fallback xmlns="">
       <p:transition spd="slow">
         <p:random/>
       </p:transition>
@@ -5485,13 +5520,13 @@
   <p:clrMapOvr>
     <a:masterClrMapping/>
   </p:clrMapOvr>
-  <mc:AlternateContent xmlns:mc="http://schemas.openxmlformats.org/markup-compatibility/2006">
-    <mc:Choice xmlns:p14="http://schemas.microsoft.com/office/powerpoint/2010/main" Requires="p14">
+  <mc:AlternateContent xmlns:mc="http://schemas.openxmlformats.org/markup-compatibility/2006" xmlns:p14="http://schemas.microsoft.com/office/powerpoint/2010/main">
+    <mc:Choice Requires="p14">
       <p:transition spd="slow" p14:dur="1500">
         <p:random/>
       </p:transition>
     </mc:Choice>
-    <mc:Fallback>
+    <mc:Fallback xmlns="">
       <p:transition spd="slow">
         <p:random/>
       </p:transition>
@@ -5738,7 +5773,7 @@
           <a:p>
             <a:fld id="{37CC0096-1860-4642-9CD2-0079EA5E7CD1}" type="datetimeFigureOut">
               <a:rPr lang="en-US" smtClean="0"/>
-              <a:t>4/20/2015</a:t>
+              <a:t>4/21/2015</a:t>
             </a:fld>
             <a:endParaRPr lang="en-US"/>
           </a:p>
@@ -5796,13 +5831,13 @@
   <p:clrMapOvr>
     <a:masterClrMapping/>
   </p:clrMapOvr>
-  <mc:AlternateContent xmlns:mc="http://schemas.openxmlformats.org/markup-compatibility/2006">
-    <mc:Choice xmlns:p14="http://schemas.microsoft.com/office/powerpoint/2010/main" Requires="p14">
+  <mc:AlternateContent xmlns:mc="http://schemas.openxmlformats.org/markup-compatibility/2006" xmlns:p14="http://schemas.microsoft.com/office/powerpoint/2010/main">
+    <mc:Choice Requires="p14">
       <p:transition spd="slow" p14:dur="1500">
         <p:random/>
       </p:transition>
     </mc:Choice>
-    <mc:Fallback>
+    <mc:Fallback xmlns="">
       <p:transition spd="slow">
         <p:random/>
       </p:transition>
@@ -6197,7 +6232,7 @@
           <a:p>
             <a:fld id="{37CC0096-1860-4642-9CD2-0079EA5E7CD1}" type="datetimeFigureOut">
               <a:rPr lang="en-US" smtClean="0"/>
-              <a:t>4/20/2015</a:t>
+              <a:t>4/21/2015</a:t>
             </a:fld>
             <a:endParaRPr lang="en-US"/>
           </a:p>
@@ -6255,13 +6290,13 @@
   <p:clrMapOvr>
     <a:masterClrMapping/>
   </p:clrMapOvr>
-  <mc:AlternateContent xmlns:mc="http://schemas.openxmlformats.org/markup-compatibility/2006">
-    <mc:Choice xmlns:p14="http://schemas.microsoft.com/office/powerpoint/2010/main" Requires="p14">
+  <mc:AlternateContent xmlns:mc="http://schemas.openxmlformats.org/markup-compatibility/2006" xmlns:p14="http://schemas.microsoft.com/office/powerpoint/2010/main">
+    <mc:Choice Requires="p14">
       <p:transition spd="slow" p14:dur="1500">
         <p:random/>
       </p:transition>
     </mc:Choice>
-    <mc:Fallback>
+    <mc:Fallback xmlns="">
       <p:transition spd="slow">
         <p:random/>
       </p:transition>
@@ -6334,7 +6369,7 @@
           <a:p>
             <a:fld id="{37CC0096-1860-4642-9CD2-0079EA5E7CD1}" type="datetimeFigureOut">
               <a:rPr lang="en-US" smtClean="0"/>
-              <a:t>4/20/2015</a:t>
+              <a:t>4/21/2015</a:t>
             </a:fld>
             <a:endParaRPr lang="en-US"/>
           </a:p>
@@ -6392,13 +6427,13 @@
   <p:clrMapOvr>
     <a:masterClrMapping/>
   </p:clrMapOvr>
-  <mc:AlternateContent xmlns:mc="http://schemas.openxmlformats.org/markup-compatibility/2006">
-    <mc:Choice xmlns:p14="http://schemas.microsoft.com/office/powerpoint/2010/main" Requires="p14">
+  <mc:AlternateContent xmlns:mc="http://schemas.openxmlformats.org/markup-compatibility/2006" xmlns:p14="http://schemas.microsoft.com/office/powerpoint/2010/main">
+    <mc:Choice Requires="p14">
       <p:transition spd="slow" p14:dur="1500">
         <p:random/>
       </p:transition>
     </mc:Choice>
-    <mc:Fallback>
+    <mc:Fallback xmlns="">
       <p:transition spd="slow">
         <p:random/>
       </p:transition>
@@ -6448,7 +6483,7 @@
           <a:p>
             <a:fld id="{37CC0096-1860-4642-9CD2-0079EA5E7CD1}" type="datetimeFigureOut">
               <a:rPr lang="en-US" smtClean="0"/>
-              <a:t>4/20/2015</a:t>
+              <a:t>4/21/2015</a:t>
             </a:fld>
             <a:endParaRPr lang="en-US"/>
           </a:p>
@@ -6506,13 +6541,13 @@
   <p:clrMapOvr>
     <a:masterClrMapping/>
   </p:clrMapOvr>
-  <mc:AlternateContent xmlns:mc="http://schemas.openxmlformats.org/markup-compatibility/2006">
-    <mc:Choice xmlns:p14="http://schemas.microsoft.com/office/powerpoint/2010/main" Requires="p14">
+  <mc:AlternateContent xmlns:mc="http://schemas.openxmlformats.org/markup-compatibility/2006" xmlns:p14="http://schemas.microsoft.com/office/powerpoint/2010/main">
+    <mc:Choice Requires="p14">
       <p:transition spd="slow" p14:dur="1500">
         <p:random/>
       </p:transition>
     </mc:Choice>
-    <mc:Fallback>
+    <mc:Fallback xmlns="">
       <p:transition spd="slow">
         <p:random/>
       </p:transition>
@@ -6751,7 +6786,7 @@
           <a:p>
             <a:fld id="{37CC0096-1860-4642-9CD2-0079EA5E7CD1}" type="datetimeFigureOut">
               <a:rPr lang="en-US" smtClean="0"/>
-              <a:t>4/20/2015</a:t>
+              <a:t>4/21/2015</a:t>
             </a:fld>
             <a:endParaRPr lang="en-US"/>
           </a:p>
@@ -6809,13 +6844,13 @@
   <p:clrMapOvr>
     <a:masterClrMapping/>
   </p:clrMapOvr>
-  <mc:AlternateContent xmlns:mc="http://schemas.openxmlformats.org/markup-compatibility/2006">
-    <mc:Choice xmlns:p14="http://schemas.microsoft.com/office/powerpoint/2010/main" Requires="p14">
+  <mc:AlternateContent xmlns:mc="http://schemas.openxmlformats.org/markup-compatibility/2006" xmlns:p14="http://schemas.microsoft.com/office/powerpoint/2010/main">
+    <mc:Choice Requires="p14">
       <p:transition spd="slow" p14:dur="1500">
         <p:random/>
       </p:transition>
     </mc:Choice>
-    <mc:Fallback>
+    <mc:Fallback xmlns="">
       <p:transition spd="slow">
         <p:random/>
       </p:transition>
@@ -7083,7 +7118,7 @@
           <a:p>
             <a:fld id="{37CC0096-1860-4642-9CD2-0079EA5E7CD1}" type="datetimeFigureOut">
               <a:rPr lang="en-US" smtClean="0"/>
-              <a:t>4/20/2015</a:t>
+              <a:t>4/21/2015</a:t>
             </a:fld>
             <a:endParaRPr lang="en-US"/>
           </a:p>
@@ -7141,13 +7176,13 @@
   <p:clrMapOvr>
     <a:masterClrMapping/>
   </p:clrMapOvr>
-  <mc:AlternateContent xmlns:mc="http://schemas.openxmlformats.org/markup-compatibility/2006">
-    <mc:Choice xmlns:p14="http://schemas.microsoft.com/office/powerpoint/2010/main" Requires="p14">
+  <mc:AlternateContent xmlns:mc="http://schemas.openxmlformats.org/markup-compatibility/2006" xmlns:p14="http://schemas.microsoft.com/office/powerpoint/2010/main">
+    <mc:Choice Requires="p14">
       <p:transition spd="slow" p14:dur="1500">
         <p:random/>
       </p:transition>
     </mc:Choice>
-    <mc:Fallback>
+    <mc:Fallback xmlns="">
       <p:transition spd="slow">
         <p:random/>
       </p:transition>
@@ -7316,7 +7351,7 @@
             <a:fld id="{37CC0096-1860-4642-9CD2-0079EA5E7CD1}" type="datetimeFigureOut">
               <a:rPr lang="en-US"/>
               <a:pPr/>
-              <a:t>4/20/2015</a:t>
+              <a:t>4/21/2015</a:t>
             </a:fld>
             <a:endParaRPr/>
           </a:p>
@@ -7422,13 +7457,13 @@
     <p:sldLayoutId id="2147483658" r:id="rId10"/>
     <p:sldLayoutId id="2147483659" r:id="rId11"/>
   </p:sldLayoutIdLst>
-  <mc:AlternateContent xmlns:mc="http://schemas.openxmlformats.org/markup-compatibility/2006">
-    <mc:Choice xmlns:p14="http://schemas.microsoft.com/office/powerpoint/2010/main" Requires="p14">
+  <mc:AlternateContent xmlns:mc="http://schemas.openxmlformats.org/markup-compatibility/2006" xmlns:p14="http://schemas.microsoft.com/office/powerpoint/2010/main">
+    <mc:Choice Requires="p14">
       <p:transition spd="slow" p14:dur="1500">
         <p:random/>
       </p:transition>
     </mc:Choice>
-    <mc:Fallback>
+    <mc:Fallback xmlns="">
       <p:transition spd="slow">
         <p:random/>
       </p:transition>
@@ -8108,7 +8143,6 @@
               <a:rPr lang="en-US" dirty="0"/>
               <a:t> </a:t>
             </a:r>
-            <a:endParaRPr lang="en-US" dirty="0"/>
           </a:p>
         </p:txBody>
       </p:sp>
@@ -8122,13 +8156,13 @@
   <p:clrMapOvr>
     <a:masterClrMapping/>
   </p:clrMapOvr>
-  <mc:AlternateContent xmlns:mc="http://schemas.openxmlformats.org/markup-compatibility/2006">
-    <mc:Choice xmlns:p14="http://schemas.microsoft.com/office/powerpoint/2010/main" Requires="p14">
+  <mc:AlternateContent xmlns:mc="http://schemas.openxmlformats.org/markup-compatibility/2006" xmlns:p14="http://schemas.microsoft.com/office/powerpoint/2010/main">
+    <mc:Choice Requires="p14">
       <p:transition spd="slow" p14:dur="1500">
         <p:random/>
       </p:transition>
     </mc:Choice>
-    <mc:Fallback>
+    <mc:Fallback xmlns="">
       <p:transition spd="slow">
         <p:random/>
       </p:transition>
@@ -8214,13 +8248,13 @@
   <p:clrMapOvr>
     <a:masterClrMapping/>
   </p:clrMapOvr>
-  <mc:AlternateContent xmlns:mc="http://schemas.openxmlformats.org/markup-compatibility/2006">
-    <mc:Choice xmlns:p14="http://schemas.microsoft.com/office/powerpoint/2010/main" Requires="p14">
+  <mc:AlternateContent xmlns:mc="http://schemas.openxmlformats.org/markup-compatibility/2006" xmlns:p14="http://schemas.microsoft.com/office/powerpoint/2010/main">
+    <mc:Choice Requires="p14">
       <p:transition spd="slow" p14:dur="1500">
         <p:random/>
       </p:transition>
     </mc:Choice>
-    <mc:Fallback>
+    <mc:Fallback xmlns="">
       <p:transition spd="slow">
         <p:random/>
       </p:transition>
@@ -8306,13 +8340,13 @@
   <p:clrMapOvr>
     <a:masterClrMapping/>
   </p:clrMapOvr>
-  <mc:AlternateContent xmlns:mc="http://schemas.openxmlformats.org/markup-compatibility/2006">
-    <mc:Choice xmlns:p14="http://schemas.microsoft.com/office/powerpoint/2010/main" Requires="p14">
+  <mc:AlternateContent xmlns:mc="http://schemas.openxmlformats.org/markup-compatibility/2006" xmlns:p14="http://schemas.microsoft.com/office/powerpoint/2010/main">
+    <mc:Choice Requires="p14">
       <p:transition spd="slow" p14:dur="1500">
         <p:random/>
       </p:transition>
     </mc:Choice>
-    <mc:Fallback>
+    <mc:Fallback xmlns="">
       <p:transition spd="slow">
         <p:random/>
       </p:transition>
@@ -8430,13 +8464,13 @@
   <p:clrMapOvr>
     <a:masterClrMapping/>
   </p:clrMapOvr>
-  <mc:AlternateContent xmlns:mc="http://schemas.openxmlformats.org/markup-compatibility/2006">
-    <mc:Choice xmlns:p14="http://schemas.microsoft.com/office/powerpoint/2010/main" Requires="p14">
+  <mc:AlternateContent xmlns:mc="http://schemas.openxmlformats.org/markup-compatibility/2006" xmlns:p14="http://schemas.microsoft.com/office/powerpoint/2010/main">
+    <mc:Choice Requires="p14">
       <p:transition spd="slow" p14:dur="1500">
         <p:random/>
       </p:transition>
     </mc:Choice>
-    <mc:Fallback>
+    <mc:Fallback xmlns="">
       <p:transition spd="slow">
         <p:random/>
       </p:transition>
@@ -8566,13 +8600,13 @@
   <p:clrMapOvr>
     <a:masterClrMapping/>
   </p:clrMapOvr>
-  <mc:AlternateContent xmlns:mc="http://schemas.openxmlformats.org/markup-compatibility/2006">
-    <mc:Choice xmlns:p14="http://schemas.microsoft.com/office/powerpoint/2010/main" Requires="p14">
+  <mc:AlternateContent xmlns:mc="http://schemas.openxmlformats.org/markup-compatibility/2006" xmlns:p14="http://schemas.microsoft.com/office/powerpoint/2010/main">
+    <mc:Choice Requires="p14">
       <p:transition spd="slow" p14:dur="1500">
         <p:random/>
       </p:transition>
     </mc:Choice>
-    <mc:Fallback>
+    <mc:Fallback xmlns="">
       <p:transition spd="slow">
         <p:random/>
       </p:transition>
@@ -8665,13 +8699,13 @@
   <p:clrMapOvr>
     <a:masterClrMapping/>
   </p:clrMapOvr>
-  <mc:AlternateContent xmlns:mc="http://schemas.openxmlformats.org/markup-compatibility/2006">
-    <mc:Choice xmlns:p14="http://schemas.microsoft.com/office/powerpoint/2010/main" Requires="p14">
+  <mc:AlternateContent xmlns:mc="http://schemas.openxmlformats.org/markup-compatibility/2006" xmlns:p14="http://schemas.microsoft.com/office/powerpoint/2010/main">
+    <mc:Choice Requires="p14">
       <p:transition spd="slow" p14:dur="1500">
         <p:random/>
       </p:transition>
     </mc:Choice>
-    <mc:Fallback>
+    <mc:Fallback xmlns="">
       <p:transition spd="slow">
         <p:random/>
       </p:transition>
@@ -8788,13 +8822,13 @@
   <p:clrMapOvr>
     <a:masterClrMapping/>
   </p:clrMapOvr>
-  <mc:AlternateContent xmlns:mc="http://schemas.openxmlformats.org/markup-compatibility/2006">
-    <mc:Choice xmlns:p14="http://schemas.microsoft.com/office/powerpoint/2010/main" Requires="p14">
+  <mc:AlternateContent xmlns:mc="http://schemas.openxmlformats.org/markup-compatibility/2006" xmlns:p14="http://schemas.microsoft.com/office/powerpoint/2010/main">
+    <mc:Choice Requires="p14">
       <p:transition spd="slow" p14:dur="1500">
         <p:random/>
       </p:transition>
     </mc:Choice>
-    <mc:Fallback>
+    <mc:Fallback xmlns="">
       <p:transition spd="slow">
         <p:random/>
       </p:transition>
@@ -8932,11 +8966,7 @@
             </a:pPr>
             <a:r>
               <a:rPr lang="en-US" sz="2400" dirty="0" smtClean="0"/>
-              <a:t>Create user-friendly </a:t>
-            </a:r>
-            <a:r>
-              <a:rPr lang="en-US" sz="2400" dirty="0" smtClean="0"/>
-              <a:t>interface</a:t>
+              <a:t>Create user-friendly interface</a:t>
             </a:r>
             <a:endParaRPr lang="en-US" sz="2400" dirty="0"/>
           </a:p>
@@ -8947,11 +8977,7 @@
             </a:pPr>
             <a:r>
               <a:rPr lang="en-US" sz="2400" dirty="0" smtClean="0"/>
-              <a:t>These skills can be applied to software </a:t>
-            </a:r>
-            <a:r>
-              <a:rPr lang="en-US" sz="2400" dirty="0" smtClean="0"/>
-              <a:t>development, creating products for musicians, audio engineers, and acousticians</a:t>
+              <a:t>These skills can be applied to software development, creating products for musicians, audio engineers, and acousticians</a:t>
             </a:r>
           </a:p>
           <a:p>
@@ -8969,13 +8995,13 @@
   <p:clrMapOvr>
     <a:masterClrMapping/>
   </p:clrMapOvr>
-  <mc:AlternateContent xmlns:mc="http://schemas.openxmlformats.org/markup-compatibility/2006">
-    <mc:Choice xmlns:p14="http://schemas.microsoft.com/office/powerpoint/2010/main" Requires="p14">
+  <mc:AlternateContent xmlns:mc="http://schemas.openxmlformats.org/markup-compatibility/2006" xmlns:p14="http://schemas.microsoft.com/office/powerpoint/2010/main">
+    <mc:Choice Requires="p14">
       <p:transition spd="slow" p14:dur="1500">
         <p:random/>
       </p:transition>
     </mc:Choice>
-    <mc:Fallback>
+    <mc:Fallback xmlns="">
       <p:transition spd="slow">
         <p:random/>
       </p:transition>
@@ -9091,13 +9117,13 @@
   <p:clrMapOvr>
     <a:masterClrMapping/>
   </p:clrMapOvr>
-  <mc:AlternateContent xmlns:mc="http://schemas.openxmlformats.org/markup-compatibility/2006">
-    <mc:Choice xmlns:p14="http://schemas.microsoft.com/office/powerpoint/2010/main" Requires="p14">
+  <mc:AlternateContent xmlns:mc="http://schemas.openxmlformats.org/markup-compatibility/2006" xmlns:p14="http://schemas.microsoft.com/office/powerpoint/2010/main">
+    <mc:Choice Requires="p14">
       <p:transition spd="slow" p14:dur="1500">
         <p:random/>
       </p:transition>
     </mc:Choice>
-    <mc:Fallback>
+    <mc:Fallback xmlns="">
       <p:transition spd="slow">
         <p:random/>
       </p:transition>
@@ -9267,13 +9293,13 @@
   <p:clrMapOvr>
     <a:masterClrMapping/>
   </p:clrMapOvr>
-  <mc:AlternateContent xmlns:mc="http://schemas.openxmlformats.org/markup-compatibility/2006">
-    <mc:Choice xmlns:p14="http://schemas.microsoft.com/office/powerpoint/2010/main" Requires="p14">
+  <mc:AlternateContent xmlns:mc="http://schemas.openxmlformats.org/markup-compatibility/2006" xmlns:p14="http://schemas.microsoft.com/office/powerpoint/2010/main">
+    <mc:Choice Requires="p14">
       <p:transition spd="slow" p14:dur="1500">
         <p:random/>
       </p:transition>
     </mc:Choice>
-    <mc:Fallback>
+    <mc:Fallback xmlns="">
       <p:transition spd="slow">
         <p:random/>
       </p:transition>
@@ -9348,11 +9374,7 @@
           <a:p>
             <a:r>
               <a:rPr lang="en-US" dirty="0" smtClean="0"/>
-              <a:t>In </a:t>
-            </a:r>
-            <a:r>
-              <a:rPr lang="en-US" dirty="0" smtClean="0"/>
-              <a:t>order to improve the quality of the waveform’s sound, we add an envelope to the amplitude</a:t>
+              <a:t>In order to improve the quality of the waveform’s sound, we add an envelope to the amplitude</a:t>
             </a:r>
             <a:endParaRPr dirty="0"/>
           </a:p>
@@ -9458,13 +9480,13 @@
   <p:clrMapOvr>
     <a:masterClrMapping/>
   </p:clrMapOvr>
-  <mc:AlternateContent xmlns:mc="http://schemas.openxmlformats.org/markup-compatibility/2006">
-    <mc:Choice xmlns:p14="http://schemas.microsoft.com/office/powerpoint/2010/main" Requires="p14">
+  <mc:AlternateContent xmlns:mc="http://schemas.openxmlformats.org/markup-compatibility/2006" xmlns:p14="http://schemas.microsoft.com/office/powerpoint/2010/main">
+    <mc:Choice Requires="p14">
       <p:transition spd="slow" p14:dur="1500">
         <p:random/>
       </p:transition>
     </mc:Choice>
-    <mc:Fallback>
+    <mc:Fallback xmlns="">
       <p:transition spd="slow">
         <p:random/>
       </p:transition>
@@ -10149,13 +10171,13 @@
   <p:clrMapOvr>
     <a:masterClrMapping/>
   </p:clrMapOvr>
-  <mc:AlternateContent xmlns:mc="http://schemas.openxmlformats.org/markup-compatibility/2006">
-    <mc:Choice xmlns:p14="http://schemas.microsoft.com/office/powerpoint/2010/main" Requires="p14">
+  <mc:AlternateContent xmlns:mc="http://schemas.openxmlformats.org/markup-compatibility/2006" xmlns:p14="http://schemas.microsoft.com/office/powerpoint/2010/main">
+    <mc:Choice Requires="p14">
       <p:transition spd="slow" p14:dur="1500">
         <p:random/>
       </p:transition>
     </mc:Choice>
-    <mc:Fallback>
+    <mc:Fallback xmlns="">
       <p:transition spd="slow">
         <p:random/>
       </p:transition>
@@ -10912,13 +10934,13 @@
   <p:clrMapOvr>
     <a:masterClrMapping/>
   </p:clrMapOvr>
-  <mc:AlternateContent xmlns:mc="http://schemas.openxmlformats.org/markup-compatibility/2006">
-    <mc:Choice xmlns:p14="http://schemas.microsoft.com/office/powerpoint/2010/main" Requires="p14">
+  <mc:AlternateContent xmlns:mc="http://schemas.openxmlformats.org/markup-compatibility/2006" xmlns:p14="http://schemas.microsoft.com/office/powerpoint/2010/main">
+    <mc:Choice Requires="p14">
       <p:transition spd="slow" p14:dur="1500">
         <p:random/>
       </p:transition>
     </mc:Choice>
-    <mc:Fallback>
+    <mc:Fallback xmlns="">
       <p:transition spd="slow">
         <p:random/>
       </p:transition>
@@ -10967,58 +10989,55 @@
           <a:lstStyle/>
           <a:p>
             <a:r>
-              <a:rPr lang="en-US" dirty="0" err="1" smtClean="0"/>
-              <a:t>Matlab’s</a:t>
-            </a:r>
-            <a:r>
               <a:rPr lang="en-US" dirty="0" smtClean="0"/>
-              <a:t> built-in GUI editor: guide</a:t>
+              <a:t>Graphical User Interface Hierarchy</a:t>
             </a:r>
             <a:endParaRPr dirty="0"/>
           </a:p>
         </p:txBody>
       </p:sp>
-      <p:pic>
-        <p:nvPicPr>
-          <p:cNvPr id="7" name="Picture 6"/>
-          <p:cNvPicPr>
-            <a:picLocks noChangeAspect="1"/>
-          </p:cNvPicPr>
-          <p:nvPr/>
-        </p:nvPicPr>
-        <p:blipFill>
-          <a:blip r:embed="rId2"/>
-          <a:stretch>
-            <a:fillRect/>
-          </a:stretch>
-        </p:blipFill>
-        <p:spPr>
-          <a:xfrm>
-            <a:off x="1562100" y="1752600"/>
-            <a:ext cx="2705100" cy="630315"/>
-          </a:xfrm>
-          <a:prstGeom prst="rect">
-            <a:avLst/>
-          </a:prstGeom>
-        </p:spPr>
-      </p:pic>
+      <p:graphicFrame>
+        <p:nvGraphicFramePr>
+          <p:cNvPr id="4" name="Content Placeholder 3"/>
+          <p:cNvGraphicFramePr>
+            <a:graphicFrameLocks noGrp="1"/>
+          </p:cNvGraphicFramePr>
+          <p:nvPr>
+            <p:ph idx="1"/>
+            <p:extLst>
+              <p:ext uri="{D42A27DB-BD31-4B8C-83A1-F6EECF244321}">
+                <p14:modId xmlns:p14="http://schemas.microsoft.com/office/powerpoint/2010/main" val="82649128"/>
+              </p:ext>
+            </p:extLst>
+          </p:nvPr>
+        </p:nvGraphicFramePr>
+        <p:xfrm>
+          <a:off x="1524000" y="1828800"/>
+          <a:ext cx="9144000" cy="4267200"/>
+        </p:xfrm>
+        <a:graphic>
+          <a:graphicData uri="http://schemas.openxmlformats.org/drawingml/2006/diagram">
+            <dgm:relIds xmlns:dgm="http://schemas.openxmlformats.org/drawingml/2006/diagram" xmlns:r="http://schemas.openxmlformats.org/officeDocument/2006/relationships" r:dm="rId2" r:lo="rId3" r:qs="rId4" r:cs="rId5"/>
+          </a:graphicData>
+        </a:graphic>
+      </p:graphicFrame>
     </p:spTree>
     <p:extLst>
       <p:ext uri="{BB962C8B-B14F-4D97-AF65-F5344CB8AC3E}">
-        <p14:creationId xmlns:p14="http://schemas.microsoft.com/office/powerpoint/2010/main" val="1475842300"/>
+        <p14:creationId xmlns:p14="http://schemas.microsoft.com/office/powerpoint/2010/main" val="1153027685"/>
       </p:ext>
     </p:extLst>
   </p:cSld>
   <p:clrMapOvr>
     <a:masterClrMapping/>
   </p:clrMapOvr>
-  <mc:AlternateContent xmlns:mc="http://schemas.openxmlformats.org/markup-compatibility/2006">
-    <mc:Choice xmlns:p14="http://schemas.microsoft.com/office/powerpoint/2010/main" Requires="p14">
+  <mc:AlternateContent xmlns:mc="http://schemas.openxmlformats.org/markup-compatibility/2006" xmlns:p14="http://schemas.microsoft.com/office/powerpoint/2010/main">
+    <mc:Choice Requires="p14">
       <p:transition spd="slow" p14:dur="1500">
         <p:random/>
       </p:transition>
     </mc:Choice>
-    <mc:Fallback>
+    <mc:Fallback xmlns="">
       <p:transition spd="slow">
         <p:random/>
       </p:transition>
@@ -11067,59 +11086,909 @@
           <a:lstStyle/>
           <a:p>
             <a:r>
+              <a:rPr lang="en-US" dirty="0" err="1" smtClean="0"/>
+              <a:t>Matlab’s</a:t>
+            </a:r>
+            <a:r>
               <a:rPr lang="en-US" dirty="0" smtClean="0"/>
-              <a:t>Graphical User </a:t>
-            </a:r>
-            <a:r>
-              <a:rPr lang="en-US" dirty="0" smtClean="0"/>
-              <a:t>Interface Hierarchy</a:t>
+              <a:t> built-in GUI editor: guide</a:t>
             </a:r>
             <a:endParaRPr dirty="0"/>
           </a:p>
         </p:txBody>
       </p:sp>
-      <p:graphicFrame>
-        <p:nvGraphicFramePr>
-          <p:cNvPr id="4" name="Content Placeholder 3"/>
-          <p:cNvGraphicFramePr>
-            <a:graphicFrameLocks noGrp="1"/>
-          </p:cNvGraphicFramePr>
-          <p:nvPr>
-            <p:ph idx="1"/>
-            <p:extLst>
-              <p:ext uri="{D42A27DB-BD31-4B8C-83A1-F6EECF244321}">
-                <p14:modId xmlns:p14="http://schemas.microsoft.com/office/powerpoint/2010/main" val="82649128"/>
-              </p:ext>
-            </p:extLst>
-          </p:nvPr>
-        </p:nvGraphicFramePr>
-        <p:xfrm>
-          <a:off x="1524000" y="1828800"/>
-          <a:ext cx="9144000" cy="4267200"/>
-        </p:xfrm>
-        <a:graphic>
-          <a:graphicData uri="http://schemas.openxmlformats.org/drawingml/2006/diagram">
-            <dgm:relIds xmlns:dgm="http://schemas.openxmlformats.org/drawingml/2006/diagram" xmlns:r="http://schemas.openxmlformats.org/officeDocument/2006/relationships" r:dm="rId2" r:lo="rId3" r:qs="rId4" r:cs="rId5"/>
-          </a:graphicData>
-        </a:graphic>
-      </p:graphicFrame>
+      <p:pic>
+        <p:nvPicPr>
+          <p:cNvPr id="7" name="Picture 6"/>
+          <p:cNvPicPr>
+            <a:picLocks noChangeAspect="1"/>
+          </p:cNvPicPr>
+          <p:nvPr/>
+        </p:nvPicPr>
+        <p:blipFill>
+          <a:blip r:embed="rId2"/>
+          <a:stretch>
+            <a:fillRect/>
+          </a:stretch>
+        </p:blipFill>
+        <p:spPr>
+          <a:xfrm>
+            <a:off x="395287" y="142042"/>
+            <a:ext cx="2705100" cy="630315"/>
+          </a:xfrm>
+          <a:prstGeom prst="rect">
+            <a:avLst/>
+          </a:prstGeom>
+        </p:spPr>
+      </p:pic>
+      <p:sp>
+        <p:nvSpPr>
+          <p:cNvPr id="3" name="TextBox 2"/>
+          <p:cNvSpPr txBox="1"/>
+          <p:nvPr/>
+        </p:nvSpPr>
+        <p:spPr>
+          <a:xfrm>
+            <a:off x="395287" y="1752600"/>
+            <a:ext cx="11563198" cy="4401205"/>
+          </a:xfrm>
+          <a:prstGeom prst="rect">
+            <a:avLst/>
+          </a:prstGeom>
+          <a:solidFill>
+            <a:schemeClr val="tx1"/>
+          </a:solidFill>
+        </p:spPr>
+        <p:txBody>
+          <a:bodyPr wrap="square" rtlCol="0">
+            <a:spAutoFit/>
+          </a:bodyPr>
+          <a:lstStyle/>
+          <a:p>
+            <a:r>
+              <a:rPr lang="en-US" sz="1400" dirty="0">
+                <a:solidFill>
+                  <a:srgbClr val="228B22"/>
+                </a:solidFill>
+                <a:latin typeface="Courier New" panose="02070309020205020404" pitchFamily="49" charset="0"/>
+              </a:rPr>
+              <a:t>% --- Executes on slider movement.</a:t>
+            </a:r>
+          </a:p>
+          <a:p>
+            <a:r>
+              <a:rPr lang="en-US" sz="1400" dirty="0">
+                <a:solidFill>
+                  <a:srgbClr val="0000FF"/>
+                </a:solidFill>
+                <a:latin typeface="Courier New" panose="02070309020205020404" pitchFamily="49" charset="0"/>
+              </a:rPr>
+              <a:t>function</a:t>
+            </a:r>
+            <a:r>
+              <a:rPr lang="en-US" sz="1400" dirty="0">
+                <a:solidFill>
+                  <a:srgbClr val="000000"/>
+                </a:solidFill>
+                <a:latin typeface="Courier New" panose="02070309020205020404" pitchFamily="49" charset="0"/>
+              </a:rPr>
+              <a:t> </a:t>
+            </a:r>
+            <a:r>
+              <a:rPr lang="en-US" sz="1400" dirty="0" err="1">
+                <a:solidFill>
+                  <a:srgbClr val="000000"/>
+                </a:solidFill>
+                <a:latin typeface="Courier New" panose="02070309020205020404" pitchFamily="49" charset="0"/>
+              </a:rPr>
+              <a:t>attackslider_Callback</a:t>
+            </a:r>
+            <a:r>
+              <a:rPr lang="en-US" sz="1400" dirty="0">
+                <a:solidFill>
+                  <a:srgbClr val="000000"/>
+                </a:solidFill>
+                <a:latin typeface="Courier New" panose="02070309020205020404" pitchFamily="49" charset="0"/>
+              </a:rPr>
+              <a:t>(</a:t>
+            </a:r>
+            <a:r>
+              <a:rPr lang="en-US" sz="1400" dirty="0" err="1">
+                <a:solidFill>
+                  <a:srgbClr val="000000"/>
+                </a:solidFill>
+                <a:latin typeface="Courier New" panose="02070309020205020404" pitchFamily="49" charset="0"/>
+              </a:rPr>
+              <a:t>hObject</a:t>
+            </a:r>
+            <a:r>
+              <a:rPr lang="en-US" sz="1400" dirty="0">
+                <a:solidFill>
+                  <a:srgbClr val="000000"/>
+                </a:solidFill>
+                <a:latin typeface="Courier New" panose="02070309020205020404" pitchFamily="49" charset="0"/>
+              </a:rPr>
+              <a:t>, </a:t>
+            </a:r>
+            <a:r>
+              <a:rPr lang="en-US" sz="1400" dirty="0" err="1">
+                <a:solidFill>
+                  <a:srgbClr val="000000"/>
+                </a:solidFill>
+                <a:latin typeface="Courier New" panose="02070309020205020404" pitchFamily="49" charset="0"/>
+              </a:rPr>
+              <a:t>eventdata</a:t>
+            </a:r>
+            <a:r>
+              <a:rPr lang="en-US" sz="1400" dirty="0">
+                <a:solidFill>
+                  <a:srgbClr val="000000"/>
+                </a:solidFill>
+                <a:latin typeface="Courier New" panose="02070309020205020404" pitchFamily="49" charset="0"/>
+              </a:rPr>
+              <a:t>, handles)</a:t>
+            </a:r>
+          </a:p>
+          <a:p>
+            <a:r>
+              <a:rPr lang="en-US" sz="1400" dirty="0">
+                <a:solidFill>
+                  <a:srgbClr val="228B22"/>
+                </a:solidFill>
+                <a:latin typeface="Courier New" panose="02070309020205020404" pitchFamily="49" charset="0"/>
+              </a:rPr>
+              <a:t>% </a:t>
+            </a:r>
+            <a:r>
+              <a:rPr lang="en-US" sz="1400" dirty="0" err="1">
+                <a:solidFill>
+                  <a:srgbClr val="228B22"/>
+                </a:solidFill>
+                <a:latin typeface="Courier New" panose="02070309020205020404" pitchFamily="49" charset="0"/>
+              </a:rPr>
+              <a:t>hObject</a:t>
+            </a:r>
+            <a:r>
+              <a:rPr lang="en-US" sz="1400" dirty="0">
+                <a:solidFill>
+                  <a:srgbClr val="228B22"/>
+                </a:solidFill>
+                <a:latin typeface="Courier New" panose="02070309020205020404" pitchFamily="49" charset="0"/>
+              </a:rPr>
+              <a:t>    handle to </a:t>
+            </a:r>
+            <a:r>
+              <a:rPr lang="en-US" sz="1400" dirty="0" err="1">
+                <a:solidFill>
+                  <a:srgbClr val="228B22"/>
+                </a:solidFill>
+                <a:latin typeface="Courier New" panose="02070309020205020404" pitchFamily="49" charset="0"/>
+              </a:rPr>
+              <a:t>attackslider</a:t>
+            </a:r>
+            <a:r>
+              <a:rPr lang="en-US" sz="1400" dirty="0">
+                <a:solidFill>
+                  <a:srgbClr val="228B22"/>
+                </a:solidFill>
+                <a:latin typeface="Courier New" panose="02070309020205020404" pitchFamily="49" charset="0"/>
+              </a:rPr>
+              <a:t> (see GCBO)</a:t>
+            </a:r>
+          </a:p>
+          <a:p>
+            <a:r>
+              <a:rPr lang="en-US" sz="1400" dirty="0">
+                <a:solidFill>
+                  <a:srgbClr val="228B22"/>
+                </a:solidFill>
+                <a:latin typeface="Courier New" panose="02070309020205020404" pitchFamily="49" charset="0"/>
+              </a:rPr>
+              <a:t>% </a:t>
+            </a:r>
+            <a:r>
+              <a:rPr lang="en-US" sz="1400" dirty="0" err="1">
+                <a:solidFill>
+                  <a:srgbClr val="228B22"/>
+                </a:solidFill>
+                <a:latin typeface="Courier New" panose="02070309020205020404" pitchFamily="49" charset="0"/>
+              </a:rPr>
+              <a:t>eventdata</a:t>
+            </a:r>
+            <a:r>
+              <a:rPr lang="en-US" sz="1400" dirty="0">
+                <a:solidFill>
+                  <a:srgbClr val="228B22"/>
+                </a:solidFill>
+                <a:latin typeface="Courier New" panose="02070309020205020404" pitchFamily="49" charset="0"/>
+              </a:rPr>
+              <a:t>  reserved - to be defined in a future version of MATLAB</a:t>
+            </a:r>
+          </a:p>
+          <a:p>
+            <a:r>
+              <a:rPr lang="en-US" sz="1400" dirty="0">
+                <a:solidFill>
+                  <a:srgbClr val="228B22"/>
+                </a:solidFill>
+                <a:latin typeface="Courier New" panose="02070309020205020404" pitchFamily="49" charset="0"/>
+              </a:rPr>
+              <a:t>% handles    structure with handles and user data (see GUIDATA)</a:t>
+            </a:r>
+          </a:p>
+          <a:p>
+            <a:r>
+              <a:rPr lang="en-US" sz="1400" dirty="0" err="1">
+                <a:solidFill>
+                  <a:srgbClr val="000000"/>
+                </a:solidFill>
+                <a:latin typeface="Courier New" panose="02070309020205020404" pitchFamily="49" charset="0"/>
+              </a:rPr>
+              <a:t>handles.attack</a:t>
+            </a:r>
+            <a:r>
+              <a:rPr lang="en-US" sz="1400" dirty="0">
+                <a:solidFill>
+                  <a:srgbClr val="000000"/>
+                </a:solidFill>
+                <a:latin typeface="Courier New" panose="02070309020205020404" pitchFamily="49" charset="0"/>
+              </a:rPr>
+              <a:t>=get(</a:t>
+            </a:r>
+            <a:r>
+              <a:rPr lang="en-US" sz="1400" dirty="0" err="1">
+                <a:solidFill>
+                  <a:srgbClr val="000000"/>
+                </a:solidFill>
+                <a:latin typeface="Courier New" panose="02070309020205020404" pitchFamily="49" charset="0"/>
+              </a:rPr>
+              <a:t>hObject</a:t>
+            </a:r>
+            <a:r>
+              <a:rPr lang="en-US" sz="1400" dirty="0">
+                <a:solidFill>
+                  <a:srgbClr val="000000"/>
+                </a:solidFill>
+                <a:latin typeface="Courier New" panose="02070309020205020404" pitchFamily="49" charset="0"/>
+              </a:rPr>
+              <a:t>, </a:t>
+            </a:r>
+            <a:r>
+              <a:rPr lang="en-US" sz="1400" dirty="0">
+                <a:solidFill>
+                  <a:srgbClr val="A020F0"/>
+                </a:solidFill>
+                <a:latin typeface="Courier New" panose="02070309020205020404" pitchFamily="49" charset="0"/>
+              </a:rPr>
+              <a:t>'Value'</a:t>
+            </a:r>
+            <a:r>
+              <a:rPr lang="en-US" sz="1400" dirty="0">
+                <a:solidFill>
+                  <a:srgbClr val="000000"/>
+                </a:solidFill>
+                <a:latin typeface="Courier New" panose="02070309020205020404" pitchFamily="49" charset="0"/>
+              </a:rPr>
+              <a:t>);</a:t>
+            </a:r>
+          </a:p>
+          <a:p>
+            <a:r>
+              <a:rPr lang="en-US" sz="1400" dirty="0">
+                <a:solidFill>
+                  <a:srgbClr val="228B22"/>
+                </a:solidFill>
+                <a:latin typeface="Courier New" panose="02070309020205020404" pitchFamily="49" charset="0"/>
+              </a:rPr>
+              <a:t>% Hints: get(</a:t>
+            </a:r>
+            <a:r>
+              <a:rPr lang="en-US" sz="1400" dirty="0" err="1">
+                <a:solidFill>
+                  <a:srgbClr val="228B22"/>
+                </a:solidFill>
+                <a:latin typeface="Courier New" panose="02070309020205020404" pitchFamily="49" charset="0"/>
+              </a:rPr>
+              <a:t>hObject</a:t>
+            </a:r>
+            <a:r>
+              <a:rPr lang="en-US" sz="1400" dirty="0">
+                <a:solidFill>
+                  <a:srgbClr val="228B22"/>
+                </a:solidFill>
+                <a:latin typeface="Courier New" panose="02070309020205020404" pitchFamily="49" charset="0"/>
+              </a:rPr>
+              <a:t>,'Value') returns position of slider</a:t>
+            </a:r>
+          </a:p>
+          <a:p>
+            <a:r>
+              <a:rPr lang="en-US" sz="1400" dirty="0">
+                <a:solidFill>
+                  <a:srgbClr val="228B22"/>
+                </a:solidFill>
+                <a:latin typeface="Courier New" panose="02070309020205020404" pitchFamily="49" charset="0"/>
+              </a:rPr>
+              <a:t>%        get(</a:t>
+            </a:r>
+            <a:r>
+              <a:rPr lang="en-US" sz="1400" dirty="0" err="1">
+                <a:solidFill>
+                  <a:srgbClr val="228B22"/>
+                </a:solidFill>
+                <a:latin typeface="Courier New" panose="02070309020205020404" pitchFamily="49" charset="0"/>
+              </a:rPr>
+              <a:t>hObject</a:t>
+            </a:r>
+            <a:r>
+              <a:rPr lang="en-US" sz="1400" dirty="0">
+                <a:solidFill>
+                  <a:srgbClr val="228B22"/>
+                </a:solidFill>
+                <a:latin typeface="Courier New" panose="02070309020205020404" pitchFamily="49" charset="0"/>
+              </a:rPr>
+              <a:t>,'Min') and get(</a:t>
+            </a:r>
+            <a:r>
+              <a:rPr lang="en-US" sz="1400" dirty="0" err="1">
+                <a:solidFill>
+                  <a:srgbClr val="228B22"/>
+                </a:solidFill>
+                <a:latin typeface="Courier New" panose="02070309020205020404" pitchFamily="49" charset="0"/>
+              </a:rPr>
+              <a:t>hObject</a:t>
+            </a:r>
+            <a:r>
+              <a:rPr lang="en-US" sz="1400" dirty="0">
+                <a:solidFill>
+                  <a:srgbClr val="228B22"/>
+                </a:solidFill>
+                <a:latin typeface="Courier New" panose="02070309020205020404" pitchFamily="49" charset="0"/>
+              </a:rPr>
+              <a:t>,'Max') to determine range of slider</a:t>
+            </a:r>
+          </a:p>
+          <a:p>
+            <a:r>
+              <a:rPr lang="en-US" sz="1400" dirty="0">
+                <a:solidFill>
+                  <a:srgbClr val="000000"/>
+                </a:solidFill>
+                <a:latin typeface="Courier New" panose="02070309020205020404" pitchFamily="49" charset="0"/>
+              </a:rPr>
+              <a:t>set(handles.</a:t>
+            </a:r>
+            <a:r>
+              <a:rPr lang="en-US" sz="1400" dirty="0" err="1">
+                <a:solidFill>
+                  <a:srgbClr val="000000"/>
+                </a:solidFill>
+                <a:latin typeface="Courier New" panose="02070309020205020404" pitchFamily="49" charset="0"/>
+              </a:rPr>
+              <a:t>attackdisplay</a:t>
+            </a:r>
+            <a:r>
+              <a:rPr lang="en-US" sz="1400" dirty="0">
+                <a:solidFill>
+                  <a:srgbClr val="000000"/>
+                </a:solidFill>
+                <a:latin typeface="Courier New" panose="02070309020205020404" pitchFamily="49" charset="0"/>
+              </a:rPr>
+              <a:t>,</a:t>
+            </a:r>
+            <a:r>
+              <a:rPr lang="en-US" sz="1400" dirty="0">
+                <a:solidFill>
+                  <a:srgbClr val="A020F0"/>
+                </a:solidFill>
+                <a:latin typeface="Courier New" panose="02070309020205020404" pitchFamily="49" charset="0"/>
+              </a:rPr>
+              <a:t>'String'</a:t>
+            </a:r>
+            <a:r>
+              <a:rPr lang="en-US" sz="1400" dirty="0">
+                <a:solidFill>
+                  <a:srgbClr val="000000"/>
+                </a:solidFill>
+                <a:latin typeface="Courier New" panose="02070309020205020404" pitchFamily="49" charset="0"/>
+              </a:rPr>
+              <a:t>,</a:t>
+            </a:r>
+            <a:r>
+              <a:rPr lang="en-US" sz="1400" dirty="0" err="1">
+                <a:solidFill>
+                  <a:srgbClr val="000000"/>
+                </a:solidFill>
+                <a:latin typeface="Courier New" panose="02070309020205020404" pitchFamily="49" charset="0"/>
+              </a:rPr>
+              <a:t>handles.attack</a:t>
+            </a:r>
+            <a:r>
+              <a:rPr lang="en-US" sz="1400" dirty="0">
+                <a:solidFill>
+                  <a:srgbClr val="000000"/>
+                </a:solidFill>
+                <a:latin typeface="Courier New" panose="02070309020205020404" pitchFamily="49" charset="0"/>
+              </a:rPr>
+              <a:t>)</a:t>
+            </a:r>
+          </a:p>
+          <a:p>
+            <a:r>
+              <a:rPr lang="en-US" sz="1400" dirty="0" err="1">
+                <a:solidFill>
+                  <a:srgbClr val="000000"/>
+                </a:solidFill>
+                <a:latin typeface="Courier New" panose="02070309020205020404" pitchFamily="49" charset="0"/>
+              </a:rPr>
+              <a:t>guidata</a:t>
+            </a:r>
+            <a:r>
+              <a:rPr lang="en-US" sz="1400" dirty="0">
+                <a:solidFill>
+                  <a:srgbClr val="000000"/>
+                </a:solidFill>
+                <a:latin typeface="Courier New" panose="02070309020205020404" pitchFamily="49" charset="0"/>
+              </a:rPr>
+              <a:t>(</a:t>
+            </a:r>
+            <a:r>
+              <a:rPr lang="en-US" sz="1400" dirty="0" err="1">
+                <a:solidFill>
+                  <a:srgbClr val="000000"/>
+                </a:solidFill>
+                <a:latin typeface="Courier New" panose="02070309020205020404" pitchFamily="49" charset="0"/>
+              </a:rPr>
+              <a:t>hObject</a:t>
+            </a:r>
+            <a:r>
+              <a:rPr lang="en-US" sz="1400" dirty="0">
+                <a:solidFill>
+                  <a:srgbClr val="000000"/>
+                </a:solidFill>
+                <a:latin typeface="Courier New" panose="02070309020205020404" pitchFamily="49" charset="0"/>
+              </a:rPr>
+              <a:t>, handles</a:t>
+            </a:r>
+            <a:r>
+              <a:rPr lang="en-US" sz="1400" dirty="0" smtClean="0">
+                <a:solidFill>
+                  <a:srgbClr val="000000"/>
+                </a:solidFill>
+                <a:latin typeface="Courier New" panose="02070309020205020404" pitchFamily="49" charset="0"/>
+              </a:rPr>
+              <a:t>);</a:t>
+            </a:r>
+          </a:p>
+          <a:p>
+            <a:endParaRPr lang="en-US" sz="1400" dirty="0">
+              <a:solidFill>
+                <a:srgbClr val="000000"/>
+              </a:solidFill>
+              <a:latin typeface="Courier New" panose="02070309020205020404" pitchFamily="49" charset="0"/>
+            </a:endParaRPr>
+          </a:p>
+          <a:p>
+            <a:r>
+              <a:rPr lang="en-US" sz="1400" dirty="0">
+                <a:solidFill>
+                  <a:srgbClr val="228B22"/>
+                </a:solidFill>
+                <a:latin typeface="Courier New" panose="02070309020205020404" pitchFamily="49" charset="0"/>
+              </a:rPr>
+              <a:t>% --- Executes during object creation, after setting all properties.</a:t>
+            </a:r>
+          </a:p>
+          <a:p>
+            <a:r>
+              <a:rPr lang="en-US" sz="1400" dirty="0">
+                <a:solidFill>
+                  <a:srgbClr val="0000FF"/>
+                </a:solidFill>
+                <a:latin typeface="Courier New" panose="02070309020205020404" pitchFamily="49" charset="0"/>
+              </a:rPr>
+              <a:t>function</a:t>
+            </a:r>
+            <a:r>
+              <a:rPr lang="en-US" sz="1400" dirty="0">
+                <a:solidFill>
+                  <a:srgbClr val="000000"/>
+                </a:solidFill>
+                <a:latin typeface="Courier New" panose="02070309020205020404" pitchFamily="49" charset="0"/>
+              </a:rPr>
+              <a:t> </a:t>
+            </a:r>
+            <a:r>
+              <a:rPr lang="en-US" sz="1400" dirty="0" err="1">
+                <a:solidFill>
+                  <a:srgbClr val="000000"/>
+                </a:solidFill>
+                <a:latin typeface="Courier New" panose="02070309020205020404" pitchFamily="49" charset="0"/>
+              </a:rPr>
+              <a:t>attackslider_CreateFcn</a:t>
+            </a:r>
+            <a:r>
+              <a:rPr lang="en-US" sz="1400" dirty="0">
+                <a:solidFill>
+                  <a:srgbClr val="000000"/>
+                </a:solidFill>
+                <a:latin typeface="Courier New" panose="02070309020205020404" pitchFamily="49" charset="0"/>
+              </a:rPr>
+              <a:t>(</a:t>
+            </a:r>
+            <a:r>
+              <a:rPr lang="en-US" sz="1400" dirty="0" err="1">
+                <a:solidFill>
+                  <a:srgbClr val="000000"/>
+                </a:solidFill>
+                <a:latin typeface="Courier New" panose="02070309020205020404" pitchFamily="49" charset="0"/>
+              </a:rPr>
+              <a:t>hObject</a:t>
+            </a:r>
+            <a:r>
+              <a:rPr lang="en-US" sz="1400" dirty="0">
+                <a:solidFill>
+                  <a:srgbClr val="000000"/>
+                </a:solidFill>
+                <a:latin typeface="Courier New" panose="02070309020205020404" pitchFamily="49" charset="0"/>
+              </a:rPr>
+              <a:t>, </a:t>
+            </a:r>
+            <a:r>
+              <a:rPr lang="en-US" sz="1400" dirty="0" err="1">
+                <a:solidFill>
+                  <a:srgbClr val="000000"/>
+                </a:solidFill>
+                <a:latin typeface="Courier New" panose="02070309020205020404" pitchFamily="49" charset="0"/>
+              </a:rPr>
+              <a:t>eventdata</a:t>
+            </a:r>
+            <a:r>
+              <a:rPr lang="en-US" sz="1400" dirty="0">
+                <a:solidFill>
+                  <a:srgbClr val="000000"/>
+                </a:solidFill>
+                <a:latin typeface="Courier New" panose="02070309020205020404" pitchFamily="49" charset="0"/>
+              </a:rPr>
+              <a:t>, handles)</a:t>
+            </a:r>
+          </a:p>
+          <a:p>
+            <a:r>
+              <a:rPr lang="en-US" sz="1400" dirty="0">
+                <a:solidFill>
+                  <a:srgbClr val="228B22"/>
+                </a:solidFill>
+                <a:latin typeface="Courier New" panose="02070309020205020404" pitchFamily="49" charset="0"/>
+              </a:rPr>
+              <a:t>% </a:t>
+            </a:r>
+            <a:r>
+              <a:rPr lang="en-US" sz="1400" dirty="0" err="1">
+                <a:solidFill>
+                  <a:srgbClr val="228B22"/>
+                </a:solidFill>
+                <a:latin typeface="Courier New" panose="02070309020205020404" pitchFamily="49" charset="0"/>
+              </a:rPr>
+              <a:t>hObject</a:t>
+            </a:r>
+            <a:r>
+              <a:rPr lang="en-US" sz="1400" dirty="0">
+                <a:solidFill>
+                  <a:srgbClr val="228B22"/>
+                </a:solidFill>
+                <a:latin typeface="Courier New" panose="02070309020205020404" pitchFamily="49" charset="0"/>
+              </a:rPr>
+              <a:t>    handle to </a:t>
+            </a:r>
+            <a:r>
+              <a:rPr lang="en-US" sz="1400" dirty="0" err="1">
+                <a:solidFill>
+                  <a:srgbClr val="228B22"/>
+                </a:solidFill>
+                <a:latin typeface="Courier New" panose="02070309020205020404" pitchFamily="49" charset="0"/>
+              </a:rPr>
+              <a:t>attackslider</a:t>
+            </a:r>
+            <a:r>
+              <a:rPr lang="en-US" sz="1400" dirty="0">
+                <a:solidFill>
+                  <a:srgbClr val="228B22"/>
+                </a:solidFill>
+                <a:latin typeface="Courier New" panose="02070309020205020404" pitchFamily="49" charset="0"/>
+              </a:rPr>
+              <a:t> (see GCBO)</a:t>
+            </a:r>
+          </a:p>
+          <a:p>
+            <a:r>
+              <a:rPr lang="en-US" sz="1400" dirty="0">
+                <a:solidFill>
+                  <a:srgbClr val="228B22"/>
+                </a:solidFill>
+                <a:latin typeface="Courier New" panose="02070309020205020404" pitchFamily="49" charset="0"/>
+              </a:rPr>
+              <a:t>% </a:t>
+            </a:r>
+            <a:r>
+              <a:rPr lang="en-US" sz="1400" dirty="0" err="1">
+                <a:solidFill>
+                  <a:srgbClr val="228B22"/>
+                </a:solidFill>
+                <a:latin typeface="Courier New" panose="02070309020205020404" pitchFamily="49" charset="0"/>
+              </a:rPr>
+              <a:t>eventdata</a:t>
+            </a:r>
+            <a:r>
+              <a:rPr lang="en-US" sz="1400" dirty="0">
+                <a:solidFill>
+                  <a:srgbClr val="228B22"/>
+                </a:solidFill>
+                <a:latin typeface="Courier New" panose="02070309020205020404" pitchFamily="49" charset="0"/>
+              </a:rPr>
+              <a:t>  reserved - to be defined in a future version of MATLAB</a:t>
+            </a:r>
+          </a:p>
+          <a:p>
+            <a:r>
+              <a:rPr lang="en-US" sz="1400" dirty="0">
+                <a:solidFill>
+                  <a:srgbClr val="228B22"/>
+                </a:solidFill>
+                <a:latin typeface="Courier New" panose="02070309020205020404" pitchFamily="49" charset="0"/>
+              </a:rPr>
+              <a:t>% handles    empty - handles not created until after all </a:t>
+            </a:r>
+            <a:r>
+              <a:rPr lang="en-US" sz="1400" dirty="0" err="1">
+                <a:solidFill>
+                  <a:srgbClr val="228B22"/>
+                </a:solidFill>
+                <a:latin typeface="Courier New" panose="02070309020205020404" pitchFamily="49" charset="0"/>
+              </a:rPr>
+              <a:t>CreateFcns</a:t>
+            </a:r>
+            <a:r>
+              <a:rPr lang="en-US" sz="1400" dirty="0">
+                <a:solidFill>
+                  <a:srgbClr val="228B22"/>
+                </a:solidFill>
+                <a:latin typeface="Courier New" panose="02070309020205020404" pitchFamily="49" charset="0"/>
+              </a:rPr>
+              <a:t> </a:t>
+            </a:r>
+            <a:r>
+              <a:rPr lang="en-US" sz="1400" dirty="0" smtClean="0">
+                <a:solidFill>
+                  <a:srgbClr val="228B22"/>
+                </a:solidFill>
+                <a:latin typeface="Courier New" panose="02070309020205020404" pitchFamily="49" charset="0"/>
+              </a:rPr>
+              <a:t>called</a:t>
+            </a:r>
+            <a:endParaRPr lang="en-US" sz="1400" dirty="0">
+              <a:solidFill>
+                <a:srgbClr val="228B22"/>
+              </a:solidFill>
+              <a:latin typeface="Courier New" panose="02070309020205020404" pitchFamily="49" charset="0"/>
+            </a:endParaRPr>
+          </a:p>
+          <a:p>
+            <a:r>
+              <a:rPr lang="en-US" sz="1400" dirty="0">
+                <a:solidFill>
+                  <a:srgbClr val="228B22"/>
+                </a:solidFill>
+                <a:latin typeface="Courier New" panose="02070309020205020404" pitchFamily="49" charset="0"/>
+              </a:rPr>
+              <a:t>% Hint: slider controls usually have a light gray background.</a:t>
+            </a:r>
+          </a:p>
+          <a:p>
+            <a:r>
+              <a:rPr lang="en-US" sz="1400" dirty="0">
+                <a:solidFill>
+                  <a:srgbClr val="0000FF"/>
+                </a:solidFill>
+                <a:latin typeface="Courier New" panose="02070309020205020404" pitchFamily="49" charset="0"/>
+              </a:rPr>
+              <a:t>if</a:t>
+            </a:r>
+            <a:r>
+              <a:rPr lang="en-US" sz="1400" dirty="0">
+                <a:solidFill>
+                  <a:srgbClr val="000000"/>
+                </a:solidFill>
+                <a:latin typeface="Courier New" panose="02070309020205020404" pitchFamily="49" charset="0"/>
+              </a:rPr>
+              <a:t> </a:t>
+            </a:r>
+            <a:r>
+              <a:rPr lang="en-US" sz="1400" dirty="0" err="1">
+                <a:solidFill>
+                  <a:srgbClr val="000000"/>
+                </a:solidFill>
+                <a:latin typeface="Courier New" panose="02070309020205020404" pitchFamily="49" charset="0"/>
+              </a:rPr>
+              <a:t>isequal</a:t>
+            </a:r>
+            <a:r>
+              <a:rPr lang="en-US" sz="1400" dirty="0">
+                <a:solidFill>
+                  <a:srgbClr val="000000"/>
+                </a:solidFill>
+                <a:latin typeface="Courier New" panose="02070309020205020404" pitchFamily="49" charset="0"/>
+              </a:rPr>
+              <a:t>(get(</a:t>
+            </a:r>
+            <a:r>
+              <a:rPr lang="en-US" sz="1400" dirty="0" err="1">
+                <a:solidFill>
+                  <a:srgbClr val="000000"/>
+                </a:solidFill>
+                <a:latin typeface="Courier New" panose="02070309020205020404" pitchFamily="49" charset="0"/>
+              </a:rPr>
+              <a:t>hObject</a:t>
+            </a:r>
+            <a:r>
+              <a:rPr lang="en-US" sz="1400" dirty="0">
+                <a:solidFill>
+                  <a:srgbClr val="000000"/>
+                </a:solidFill>
+                <a:latin typeface="Courier New" panose="02070309020205020404" pitchFamily="49" charset="0"/>
+              </a:rPr>
+              <a:t>,</a:t>
+            </a:r>
+            <a:r>
+              <a:rPr lang="en-US" sz="1400" dirty="0">
+                <a:solidFill>
+                  <a:srgbClr val="A020F0"/>
+                </a:solidFill>
+                <a:latin typeface="Courier New" panose="02070309020205020404" pitchFamily="49" charset="0"/>
+              </a:rPr>
+              <a:t>'</a:t>
+            </a:r>
+            <a:r>
+              <a:rPr lang="en-US" sz="1400" dirty="0" err="1">
+                <a:solidFill>
+                  <a:srgbClr val="A020F0"/>
+                </a:solidFill>
+                <a:latin typeface="Courier New" panose="02070309020205020404" pitchFamily="49" charset="0"/>
+              </a:rPr>
+              <a:t>BackgroundColor</a:t>
+            </a:r>
+            <a:r>
+              <a:rPr lang="en-US" sz="1400" dirty="0">
+                <a:solidFill>
+                  <a:srgbClr val="A020F0"/>
+                </a:solidFill>
+                <a:latin typeface="Courier New" panose="02070309020205020404" pitchFamily="49" charset="0"/>
+              </a:rPr>
+              <a:t>'</a:t>
+            </a:r>
+            <a:r>
+              <a:rPr lang="en-US" sz="1400" dirty="0">
+                <a:solidFill>
+                  <a:srgbClr val="000000"/>
+                </a:solidFill>
+                <a:latin typeface="Courier New" panose="02070309020205020404" pitchFamily="49" charset="0"/>
+              </a:rPr>
+              <a:t>), get(0,</a:t>
+            </a:r>
+            <a:r>
+              <a:rPr lang="en-US" sz="1400" dirty="0">
+                <a:solidFill>
+                  <a:srgbClr val="A020F0"/>
+                </a:solidFill>
+                <a:latin typeface="Courier New" panose="02070309020205020404" pitchFamily="49" charset="0"/>
+              </a:rPr>
+              <a:t>'defaultUicontrolBackgroundColor'</a:t>
+            </a:r>
+            <a:r>
+              <a:rPr lang="en-US" sz="1400" dirty="0">
+                <a:solidFill>
+                  <a:srgbClr val="000000"/>
+                </a:solidFill>
+                <a:latin typeface="Courier New" panose="02070309020205020404" pitchFamily="49" charset="0"/>
+              </a:rPr>
+              <a:t>))</a:t>
+            </a:r>
+          </a:p>
+          <a:p>
+            <a:r>
+              <a:rPr lang="en-US" sz="1400" dirty="0">
+                <a:solidFill>
+                  <a:srgbClr val="000000"/>
+                </a:solidFill>
+                <a:latin typeface="Courier New" panose="02070309020205020404" pitchFamily="49" charset="0"/>
+              </a:rPr>
+              <a:t>    set(</a:t>
+            </a:r>
+            <a:r>
+              <a:rPr lang="en-US" sz="1400" dirty="0" err="1">
+                <a:solidFill>
+                  <a:srgbClr val="000000"/>
+                </a:solidFill>
+                <a:latin typeface="Courier New" panose="02070309020205020404" pitchFamily="49" charset="0"/>
+              </a:rPr>
+              <a:t>hObject</a:t>
+            </a:r>
+            <a:r>
+              <a:rPr lang="en-US" sz="1400" dirty="0">
+                <a:solidFill>
+                  <a:srgbClr val="000000"/>
+                </a:solidFill>
+                <a:latin typeface="Courier New" panose="02070309020205020404" pitchFamily="49" charset="0"/>
+              </a:rPr>
+              <a:t>,</a:t>
+            </a:r>
+            <a:r>
+              <a:rPr lang="en-US" sz="1400" dirty="0">
+                <a:solidFill>
+                  <a:srgbClr val="A020F0"/>
+                </a:solidFill>
+                <a:latin typeface="Courier New" panose="02070309020205020404" pitchFamily="49" charset="0"/>
+              </a:rPr>
+              <a:t>'</a:t>
+            </a:r>
+            <a:r>
+              <a:rPr lang="en-US" sz="1400" dirty="0" err="1">
+                <a:solidFill>
+                  <a:srgbClr val="A020F0"/>
+                </a:solidFill>
+                <a:latin typeface="Courier New" panose="02070309020205020404" pitchFamily="49" charset="0"/>
+              </a:rPr>
+              <a:t>BackgroundColor</a:t>
+            </a:r>
+            <a:r>
+              <a:rPr lang="en-US" sz="1400" dirty="0">
+                <a:solidFill>
+                  <a:srgbClr val="A020F0"/>
+                </a:solidFill>
+                <a:latin typeface="Courier New" panose="02070309020205020404" pitchFamily="49" charset="0"/>
+              </a:rPr>
+              <a:t>'</a:t>
+            </a:r>
+            <a:r>
+              <a:rPr lang="en-US" sz="1400" dirty="0">
+                <a:solidFill>
+                  <a:srgbClr val="000000"/>
+                </a:solidFill>
+                <a:latin typeface="Courier New" panose="02070309020205020404" pitchFamily="49" charset="0"/>
+              </a:rPr>
+              <a:t>,[.9 .9 .9]);</a:t>
+            </a:r>
+          </a:p>
+          <a:p>
+            <a:r>
+              <a:rPr lang="en-US" sz="1400" dirty="0">
+                <a:solidFill>
+                  <a:srgbClr val="0000FF"/>
+                </a:solidFill>
+                <a:latin typeface="Courier New" panose="02070309020205020404" pitchFamily="49" charset="0"/>
+              </a:rPr>
+              <a:t>end</a:t>
+            </a:r>
+          </a:p>
+        </p:txBody>
+      </p:sp>
     </p:spTree>
     <p:extLst>
       <p:ext uri="{BB962C8B-B14F-4D97-AF65-F5344CB8AC3E}">
-        <p14:creationId xmlns:p14="http://schemas.microsoft.com/office/powerpoint/2010/main" val="1153027685"/>
+        <p14:creationId xmlns:p14="http://schemas.microsoft.com/office/powerpoint/2010/main" val="1475842300"/>
       </p:ext>
     </p:extLst>
   </p:cSld>
   <p:clrMapOvr>
     <a:masterClrMapping/>
   </p:clrMapOvr>
-  <mc:AlternateContent xmlns:mc="http://schemas.openxmlformats.org/markup-compatibility/2006">
-    <mc:Choice xmlns:p14="http://schemas.microsoft.com/office/powerpoint/2010/main" Requires="p14">
+  <mc:AlternateContent xmlns:mc="http://schemas.openxmlformats.org/markup-compatibility/2006" xmlns:p14="http://schemas.microsoft.com/office/powerpoint/2010/main">
+    <mc:Choice Requires="p14">
       <p:transition spd="slow" p14:dur="1500">
         <p:random/>
       </p:transition>
     </mc:Choice>
-    <mc:Fallback>
+    <mc:Fallback xmlns="">
       <p:transition spd="slow">
         <p:random/>
       </p:transition>
